--- a/006/lesson_6.pptx
+++ b/006/lesson_6.pptx
@@ -5,7 +5,7 @@
     <p:sldMasterId id="2147483668" r:id="rId1"/>
   </p:sldMasterIdLst>
   <p:notesMasterIdLst>
-    <p:notesMasterId r:id="rId19"/>
+    <p:notesMasterId r:id="rId20"/>
   </p:notesMasterIdLst>
   <p:sldIdLst>
     <p:sldId id="256" r:id="rId2"/>
@@ -23,40 +23,41 @@
     <p:sldId id="322" r:id="rId14"/>
     <p:sldId id="323" r:id="rId15"/>
     <p:sldId id="324" r:id="rId16"/>
-    <p:sldId id="325" r:id="rId17"/>
-    <p:sldId id="278" r:id="rId18"/>
+    <p:sldId id="326" r:id="rId17"/>
+    <p:sldId id="325" r:id="rId18"/>
+    <p:sldId id="278" r:id="rId19"/>
   </p:sldIdLst>
   <p:sldSz cx="12192000" cy="6858000"/>
   <p:notesSz cx="6858000" cy="9144000"/>
   <p:embeddedFontLst>
     <p:embeddedFont>
       <p:font typeface="Abril Fatface" panose="02000503000000020003" pitchFamily="2" charset="0"/>
-      <p:regular r:id="rId20"/>
-    </p:embeddedFont>
-    <p:embeddedFont>
-      <p:font typeface="Aldrich" panose="02000000000000000000" pitchFamily="2" charset="0"/>
       <p:regular r:id="rId21"/>
     </p:embeddedFont>
     <p:embeddedFont>
+      <p:font typeface="Aldrich" panose="020B0604020202020204" charset="0"/>
+      <p:regular r:id="rId22"/>
+    </p:embeddedFont>
+    <p:embeddedFont>
       <p:font typeface="Calibri" panose="020F0502020204030204" pitchFamily="34" charset="0"/>
-      <p:regular r:id="rId22"/>
-      <p:bold r:id="rId23"/>
-      <p:italic r:id="rId24"/>
-      <p:boldItalic r:id="rId25"/>
+      <p:regular r:id="rId23"/>
+      <p:bold r:id="rId24"/>
+      <p:italic r:id="rId25"/>
+      <p:boldItalic r:id="rId26"/>
     </p:embeddedFont>
     <p:embeddedFont>
       <p:font typeface="Roboto" panose="02000000000000000000" pitchFamily="2" charset="0"/>
-      <p:regular r:id="rId26"/>
-      <p:bold r:id="rId27"/>
-      <p:italic r:id="rId28"/>
-      <p:boldItalic r:id="rId29"/>
+      <p:regular r:id="rId27"/>
+      <p:bold r:id="rId28"/>
+      <p:italic r:id="rId29"/>
+      <p:boldItalic r:id="rId30"/>
     </p:embeddedFont>
     <p:embeddedFont>
       <p:font typeface="Roboto Mono" panose="00000009000000000000" pitchFamily="49" charset="0"/>
-      <p:regular r:id="rId30"/>
-      <p:bold r:id="rId31"/>
-      <p:italic r:id="rId32"/>
-      <p:boldItalic r:id="rId33"/>
+      <p:regular r:id="rId31"/>
+      <p:bold r:id="rId32"/>
+      <p:italic r:id="rId33"/>
+      <p:boldItalic r:id="rId34"/>
     </p:embeddedFont>
   </p:embeddedFontLst>
   <p:defaultTextStyle>
@@ -1494,6 +1495,115 @@
     </p:spTree>
     <p:extLst>
       <p:ext uri="{BB962C8B-B14F-4D97-AF65-F5344CB8AC3E}">
+        <p14:creationId xmlns:p14="http://schemas.microsoft.com/office/powerpoint/2010/main" val="3571959640"/>
+      </p:ext>
+    </p:extLst>
+  </p:cSld>
+  <p:clrMapOvr>
+    <a:masterClrMapping/>
+  </p:clrMapOvr>
+</p:notes>
+</file>
+
+<file path=ppt/notesSlides/notesSlide8.xml><?xml version="1.0" encoding="utf-8"?>
+<p:notes xmlns:a="http://schemas.openxmlformats.org/drawingml/2006/main" xmlns:r="http://schemas.openxmlformats.org/officeDocument/2006/relationships" xmlns:p="http://schemas.openxmlformats.org/presentationml/2006/main" showMasterSp="0" showMasterPhAnim="0">
+  <p:cSld>
+    <p:spTree>
+      <p:nvGrpSpPr>
+        <p:cNvPr id="1" name="Shape 436"/>
+        <p:cNvGrpSpPr/>
+        <p:nvPr/>
+      </p:nvGrpSpPr>
+      <p:grpSpPr>
+        <a:xfrm>
+          <a:off x="0" y="0"/>
+          <a:ext cx="0" cy="0"/>
+          <a:chOff x="0" y="0"/>
+          <a:chExt cx="0" cy="0"/>
+        </a:xfrm>
+      </p:grpSpPr>
+      <p:sp>
+        <p:nvSpPr>
+          <p:cNvPr id="437" name="Google Shape;437;ga073618e60_0_106:notes"/>
+          <p:cNvSpPr>
+            <a:spLocks noGrp="1" noRot="1" noChangeAspect="1"/>
+          </p:cNvSpPr>
+          <p:nvPr>
+            <p:ph type="sldImg" idx="2"/>
+          </p:nvPr>
+        </p:nvSpPr>
+        <p:spPr>
+          <a:xfrm>
+            <a:off x="381000" y="685800"/>
+            <a:ext cx="6096000" cy="3429000"/>
+          </a:xfrm>
+          <a:custGeom>
+            <a:avLst/>
+            <a:gdLst/>
+            <a:ahLst/>
+            <a:cxnLst/>
+            <a:rect l="l" t="t" r="r" b="b"/>
+            <a:pathLst>
+              <a:path w="120000" h="120000" extrusionOk="0">
+                <a:moveTo>
+                  <a:pt x="0" y="0"/>
+                </a:moveTo>
+                <a:lnTo>
+                  <a:pt x="120000" y="0"/>
+                </a:lnTo>
+                <a:lnTo>
+                  <a:pt x="120000" y="120000"/>
+                </a:lnTo>
+                <a:lnTo>
+                  <a:pt x="0" y="120000"/>
+                </a:lnTo>
+                <a:close/>
+              </a:path>
+            </a:pathLst>
+          </a:custGeom>
+        </p:spPr>
+      </p:sp>
+      <p:sp>
+        <p:nvSpPr>
+          <p:cNvPr id="438" name="Google Shape;438;ga073618e60_0_106:notes"/>
+          <p:cNvSpPr txBox="1">
+            <a:spLocks noGrp="1"/>
+          </p:cNvSpPr>
+          <p:nvPr>
+            <p:ph type="body" idx="1"/>
+          </p:nvPr>
+        </p:nvSpPr>
+        <p:spPr>
+          <a:xfrm>
+            <a:off x="685800" y="4343400"/>
+            <a:ext cx="5486400" cy="4114800"/>
+          </a:xfrm>
+          <a:prstGeom prst="rect">
+            <a:avLst/>
+          </a:prstGeom>
+        </p:spPr>
+        <p:txBody>
+          <a:bodyPr spcFirstLastPara="1" wrap="square" lIns="91425" tIns="91425" rIns="91425" bIns="91425" anchor="t" anchorCtr="0">
+            <a:noAutofit/>
+          </a:bodyPr>
+          <a:lstStyle/>
+          <a:p>
+            <a:pPr marL="0" lvl="0" indent="0" algn="l" rtl="0">
+              <a:spcBef>
+                <a:spcPts val="0"/>
+              </a:spcBef>
+              <a:spcAft>
+                <a:spcPts val="0"/>
+              </a:spcAft>
+              <a:buNone/>
+            </a:pPr>
+            <a:endParaRPr/>
+          </a:p>
+        </p:txBody>
+      </p:sp>
+    </p:spTree>
+    <p:extLst>
+      <p:ext uri="{BB962C8B-B14F-4D97-AF65-F5344CB8AC3E}">
         <p14:creationId xmlns:p14="http://schemas.microsoft.com/office/powerpoint/2010/main" val="1401404676"/>
       </p:ext>
     </p:extLst>
@@ -1504,7 +1614,7 @@
 </p:notes>
 </file>
 
-<file path=ppt/notesSlides/notesSlide8.xml><?xml version="1.0" encoding="utf-8"?>
+<file path=ppt/notesSlides/notesSlide9.xml><?xml version="1.0" encoding="utf-8"?>
 <p:notes xmlns:a="http://schemas.openxmlformats.org/drawingml/2006/main" xmlns:r="http://schemas.openxmlformats.org/officeDocument/2006/relationships" xmlns:p="http://schemas.openxmlformats.org/presentationml/2006/main" showMasterSp="0" showMasterPhAnim="0">
   <p:cSld>
     <p:spTree>
@@ -9325,7 +9435,7 @@
             </a:pPr>
             <a:fld id="{00000000-1234-1234-1234-123412341234}" type="slidenum">
               <a:rPr lang="en"/>
-              <a:t>‹#›</a:t>
+              <a:t>‹Nr.›</a:t>
             </a:fld>
             <a:endParaRPr/>
           </a:p>
@@ -16032,13 +16142,13 @@
   <p:clrMapOvr>
     <a:masterClrMapping/>
   </p:clrMapOvr>
-  <mc:AlternateContent xmlns:mc="http://schemas.openxmlformats.org/markup-compatibility/2006">
-    <mc:Choice xmlns:p159="http://schemas.microsoft.com/office/powerpoint/2015/09/main" Requires="p159">
+  <mc:AlternateContent xmlns:mc="http://schemas.openxmlformats.org/markup-compatibility/2006" xmlns:p159="http://schemas.microsoft.com/office/powerpoint/2015/09/main">
+    <mc:Choice Requires="p159">
       <p:transition spd="med">
         <p159:morph option="byObject"/>
       </p:transition>
     </mc:Choice>
-    <mc:Fallback>
+    <mc:Fallback xmlns="">
       <p:transition spd="med">
         <p:fade/>
       </p:transition>
@@ -16304,13 +16414,13 @@
   <p:clrMapOvr>
     <a:masterClrMapping/>
   </p:clrMapOvr>
-  <mc:AlternateContent xmlns:mc="http://schemas.openxmlformats.org/markup-compatibility/2006">
-    <mc:Choice xmlns:p159="http://schemas.microsoft.com/office/powerpoint/2015/09/main" Requires="p159">
+  <mc:AlternateContent xmlns:mc="http://schemas.openxmlformats.org/markup-compatibility/2006" xmlns:p159="http://schemas.microsoft.com/office/powerpoint/2015/09/main">
+    <mc:Choice Requires="p159">
       <p:transition spd="med">
         <p159:morph option="byObject"/>
       </p:transition>
     </mc:Choice>
-    <mc:Fallback>
+    <mc:Fallback xmlns="">
       <p:transition spd="med">
         <p:fade/>
       </p:transition>
@@ -16898,13 +17008,13 @@
   <p:clrMapOvr>
     <a:masterClrMapping/>
   </p:clrMapOvr>
-  <mc:AlternateContent xmlns:mc="http://schemas.openxmlformats.org/markup-compatibility/2006">
-    <mc:Choice xmlns:p159="http://schemas.microsoft.com/office/powerpoint/2015/09/main" Requires="p159">
+  <mc:AlternateContent xmlns:mc="http://schemas.openxmlformats.org/markup-compatibility/2006" xmlns:p159="http://schemas.microsoft.com/office/powerpoint/2015/09/main">
+    <mc:Choice Requires="p159">
       <p:transition spd="med">
         <p159:morph option="byObject"/>
       </p:transition>
     </mc:Choice>
-    <mc:Fallback>
+    <mc:Fallback xmlns="">
       <p:transition spd="med">
         <p:fade/>
       </p:transition>
@@ -18417,6 +18527,319 @@
                   <a:schemeClr val="accent2"/>
                 </a:solidFill>
               </a:rPr>
+              <a:t>Baum-Loop</a:t>
+            </a:r>
+            <a:endParaRPr sz="6000" dirty="0">
+              <a:solidFill>
+                <a:schemeClr val="accent2"/>
+              </a:solidFill>
+            </a:endParaRPr>
+          </a:p>
+        </p:txBody>
+      </p:sp>
+      <p:sp>
+        <p:nvSpPr>
+          <p:cNvPr id="441" name="Google Shape;441;p29"/>
+          <p:cNvSpPr txBox="1">
+            <a:spLocks noGrp="1"/>
+          </p:cNvSpPr>
+          <p:nvPr>
+            <p:ph type="subTitle" idx="1"/>
+          </p:nvPr>
+        </p:nvSpPr>
+        <p:spPr>
+          <a:xfrm>
+            <a:off x="1217558" y="1800269"/>
+            <a:ext cx="9755100" cy="606900"/>
+          </a:xfrm>
+          <a:prstGeom prst="rect">
+            <a:avLst/>
+          </a:prstGeom>
+        </p:spPr>
+        <p:txBody>
+          <a:bodyPr spcFirstLastPara="1" wrap="square" lIns="121900" tIns="121900" rIns="121900" bIns="121900" anchor="t" anchorCtr="0">
+            <a:noAutofit/>
+          </a:bodyPr>
+          <a:lstStyle/>
+          <a:p>
+            <a:pPr marL="0" lvl="0" indent="0" algn="l" rtl="0">
+              <a:spcBef>
+                <a:spcPts val="0"/>
+              </a:spcBef>
+              <a:spcAft>
+                <a:spcPts val="2100"/>
+              </a:spcAft>
+              <a:buNone/>
+            </a:pPr>
+            <a:r>
+              <a:rPr lang="de-DE" dirty="0">
+                <a:solidFill>
+                  <a:schemeClr val="accent3"/>
+                </a:solidFill>
+              </a:rPr>
+              <a:t>Circle-Loop</a:t>
+            </a:r>
+            <a:endParaRPr dirty="0"/>
+          </a:p>
+        </p:txBody>
+      </p:sp>
+      <p:sp>
+        <p:nvSpPr>
+          <p:cNvPr id="446" name="Google Shape;446;p29"/>
+          <p:cNvSpPr txBox="1">
+            <a:spLocks noGrp="1"/>
+          </p:cNvSpPr>
+          <p:nvPr>
+            <p:ph type="body" idx="4"/>
+          </p:nvPr>
+        </p:nvSpPr>
+        <p:spPr>
+          <a:xfrm>
+            <a:off x="1217550" y="2238218"/>
+            <a:ext cx="9755100" cy="3862232"/>
+          </a:xfrm>
+          <a:prstGeom prst="rect">
+            <a:avLst/>
+          </a:prstGeom>
+        </p:spPr>
+        <p:txBody>
+          <a:bodyPr spcFirstLastPara="1" wrap="square" lIns="121900" tIns="121900" rIns="121900" bIns="121900" anchor="t" anchorCtr="0">
+            <a:noAutofit/>
+          </a:bodyPr>
+          <a:lstStyle/>
+          <a:p>
+            <a:pPr marL="0" lvl="0" indent="0" algn="l" rtl="0">
+              <a:spcBef>
+                <a:spcPts val="0"/>
+              </a:spcBef>
+              <a:spcAft>
+                <a:spcPts val="2100"/>
+              </a:spcAft>
+              <a:buNone/>
+            </a:pPr>
+            <a:r>
+              <a:rPr lang="en-US" sz="1600" dirty="0" err="1"/>
+              <a:t>Schreibe</a:t>
+            </a:r>
+            <a:r>
+              <a:rPr lang="en-US" sz="1600" dirty="0"/>
+              <a:t> </a:t>
+            </a:r>
+            <a:r>
+              <a:rPr lang="en-US" sz="1600" dirty="0" err="1"/>
+              <a:t>eine</a:t>
+            </a:r>
+            <a:r>
+              <a:rPr lang="en-US" sz="1600" dirty="0"/>
+              <a:t> </a:t>
+            </a:r>
+            <a:r>
+              <a:rPr lang="en-US" sz="1600" dirty="0" err="1"/>
+              <a:t>Funktion</a:t>
+            </a:r>
+            <a:r>
+              <a:rPr lang="en-US" sz="1600" dirty="0"/>
+              <a:t>, die </a:t>
+            </a:r>
+            <a:r>
+              <a:rPr lang="en-US" sz="1600" dirty="0" err="1"/>
+              <a:t>einen</a:t>
+            </a:r>
+            <a:br>
+              <a:rPr lang="en-US" sz="1600" dirty="0"/>
+            </a:br>
+            <a:r>
+              <a:rPr lang="en-US" sz="1600" dirty="0"/>
+              <a:t>Tannenbaum </a:t>
+            </a:r>
+            <a:r>
+              <a:rPr lang="en-US" sz="1600" dirty="0" err="1"/>
+              <a:t>einer</a:t>
+            </a:r>
+            <a:r>
+              <a:rPr lang="en-US" sz="1600" dirty="0"/>
+              <a:t> </a:t>
+            </a:r>
+            <a:r>
+              <a:rPr lang="en-US" sz="1600" dirty="0" err="1"/>
+              <a:t>gegeben</a:t>
+            </a:r>
+            <a:r>
+              <a:rPr lang="en-US" sz="1600" dirty="0"/>
+              <a:t> </a:t>
+            </a:r>
+            <a:r>
+              <a:rPr lang="en-US" sz="1600" dirty="0" err="1"/>
+              <a:t>Höhe</a:t>
+            </a:r>
+            <a:r>
+              <a:rPr lang="en-US" sz="1600" dirty="0"/>
+              <a:t> h </a:t>
+            </a:r>
+            <a:br>
+              <a:rPr lang="en-US" sz="1600" dirty="0"/>
+            </a:br>
+            <a:r>
+              <a:rPr lang="en-US" sz="1600" dirty="0" err="1"/>
+              <a:t>zeichnet</a:t>
+            </a:r>
+            <a:r>
+              <a:rPr lang="en-US" sz="1600" dirty="0"/>
+              <a:t>.</a:t>
+            </a:r>
+            <a:br>
+              <a:rPr lang="en-US" sz="1600" dirty="0"/>
+            </a:br>
+            <a:br>
+              <a:rPr lang="en-US" sz="1600" dirty="0"/>
+            </a:br>
+            <a:r>
+              <a:rPr lang="en-US" sz="1600" dirty="0" err="1"/>
+              <a:t>Hinweis</a:t>
+            </a:r>
+            <a:r>
+              <a:rPr lang="en-US" sz="1600" dirty="0"/>
+              <a:t>: </a:t>
+            </a:r>
+            <a:r>
+              <a:rPr lang="en-US" sz="1600" dirty="0" err="1"/>
+              <a:t>Nutze</a:t>
+            </a:r>
+            <a:r>
+              <a:rPr lang="en-US" sz="1600" dirty="0"/>
+              <a:t> </a:t>
+            </a:r>
+            <a:r>
+              <a:rPr lang="en-US" sz="1600" dirty="0" err="1"/>
+              <a:t>dafür</a:t>
+            </a:r>
+            <a:r>
+              <a:rPr lang="en-US" sz="1600" dirty="0"/>
+              <a:t> </a:t>
+            </a:r>
+            <a:r>
+              <a:rPr lang="en-US" sz="1600" dirty="0" err="1"/>
+              <a:t>eine</a:t>
+            </a:r>
+            <a:r>
+              <a:rPr lang="en-US" sz="1600" dirty="0"/>
+              <a:t> </a:t>
+            </a:r>
+            <a:r>
+              <a:rPr lang="en-US" sz="1600" dirty="0" err="1"/>
+              <a:t>Schleife</a:t>
+            </a:r>
+            <a:r>
+              <a:rPr lang="en-US" sz="1600" dirty="0"/>
+              <a:t>.</a:t>
+            </a:r>
+          </a:p>
+        </p:txBody>
+      </p:sp>
+      <p:pic>
+        <p:nvPicPr>
+          <p:cNvPr id="3" name="Grafik 2">
+            <a:extLst>
+              <a:ext uri="{FF2B5EF4-FFF2-40B4-BE49-F238E27FC236}">
+                <a16:creationId xmlns:a16="http://schemas.microsoft.com/office/drawing/2014/main" id="{41027794-78F7-5C07-279F-0DBA49DA5C7F}"/>
+              </a:ext>
+            </a:extLst>
+          </p:cNvPr>
+          <p:cNvPicPr>
+            <a:picLocks noChangeAspect="1"/>
+          </p:cNvPicPr>
+          <p:nvPr/>
+        </p:nvPicPr>
+        <p:blipFill>
+          <a:blip r:embed="rId3"/>
+          <a:stretch>
+            <a:fillRect/>
+          </a:stretch>
+        </p:blipFill>
+        <p:spPr>
+          <a:xfrm>
+            <a:off x="6345656" y="1800269"/>
+            <a:ext cx="4864350" cy="3753043"/>
+          </a:xfrm>
+          <a:prstGeom prst="rect">
+            <a:avLst/>
+          </a:prstGeom>
+        </p:spPr>
+      </p:pic>
+    </p:spTree>
+    <p:extLst>
+      <p:ext uri="{BB962C8B-B14F-4D97-AF65-F5344CB8AC3E}">
+        <p14:creationId xmlns:p14="http://schemas.microsoft.com/office/powerpoint/2010/main" val="3035286055"/>
+      </p:ext>
+    </p:extLst>
+  </p:cSld>
+  <p:clrMapOvr>
+    <a:masterClrMapping/>
+  </p:clrMapOvr>
+</p:sld>
+</file>
+
+<file path=ppt/slides/slide17.xml><?xml version="1.0" encoding="utf-8"?>
+<p:sld xmlns:a="http://schemas.openxmlformats.org/drawingml/2006/main" xmlns:r="http://schemas.openxmlformats.org/officeDocument/2006/relationships" xmlns:p="http://schemas.openxmlformats.org/presentationml/2006/main">
+  <p:cSld>
+    <p:spTree>
+      <p:nvGrpSpPr>
+        <p:cNvPr id="1" name="Shape 439"/>
+        <p:cNvGrpSpPr/>
+        <p:nvPr/>
+      </p:nvGrpSpPr>
+      <p:grpSpPr>
+        <a:xfrm>
+          <a:off x="0" y="0"/>
+          <a:ext cx="0" cy="0"/>
+          <a:chOff x="0" y="0"/>
+          <a:chExt cx="0" cy="0"/>
+        </a:xfrm>
+      </p:grpSpPr>
+      <p:sp>
+        <p:nvSpPr>
+          <p:cNvPr id="440" name="Google Shape;440;p29"/>
+          <p:cNvSpPr txBox="1">
+            <a:spLocks noGrp="1"/>
+          </p:cNvSpPr>
+          <p:nvPr>
+            <p:ph type="title"/>
+          </p:nvPr>
+        </p:nvSpPr>
+        <p:spPr>
+          <a:xfrm>
+            <a:off x="684150" y="358863"/>
+            <a:ext cx="10672108" cy="763500"/>
+          </a:xfrm>
+          <a:prstGeom prst="rect">
+            <a:avLst/>
+          </a:prstGeom>
+        </p:spPr>
+        <p:txBody>
+          <a:bodyPr spcFirstLastPara="1" wrap="square" lIns="121900" tIns="121900" rIns="121900" bIns="121900" anchor="t" anchorCtr="0">
+            <a:noAutofit/>
+          </a:bodyPr>
+          <a:lstStyle/>
+          <a:p>
+            <a:pPr marL="0" lvl="0" indent="0" algn="l" rtl="0">
+              <a:spcBef>
+                <a:spcPts val="0"/>
+              </a:spcBef>
+              <a:spcAft>
+                <a:spcPts val="0"/>
+              </a:spcAft>
+              <a:buNone/>
+            </a:pPr>
+            <a:r>
+              <a:rPr lang="en-US" dirty="0"/>
+              <a:t>CHALLANGE </a:t>
+            </a:r>
+            <a:r>
+              <a:rPr lang="en" sz="6000" dirty="0">
+                <a:solidFill>
+                  <a:schemeClr val="accent2"/>
+                </a:solidFill>
+              </a:rPr>
               <a:t>SNAKE-CONTROL</a:t>
             </a:r>
             <a:endParaRPr sz="6000" dirty="0">
@@ -19019,7 +19442,7 @@
 </p:sld>
 </file>
 
-<file path=ppt/slides/slide17.xml><?xml version="1.0" encoding="utf-8"?>
+<file path=ppt/slides/slide18.xml><?xml version="1.0" encoding="utf-8"?>
 <p:sld xmlns:a="http://schemas.openxmlformats.org/drawingml/2006/main" xmlns:r="http://schemas.openxmlformats.org/officeDocument/2006/relationships" xmlns:p="http://schemas.openxmlformats.org/presentationml/2006/main">
   <p:cSld>
     <p:spTree>
@@ -20683,13 +21106,13 @@
   <p:clrMapOvr>
     <a:masterClrMapping/>
   </p:clrMapOvr>
-  <mc:AlternateContent xmlns:mc="http://schemas.openxmlformats.org/markup-compatibility/2006">
-    <mc:Choice xmlns:p159="http://schemas.microsoft.com/office/powerpoint/2015/09/main" Requires="p159">
+  <mc:AlternateContent xmlns:mc="http://schemas.openxmlformats.org/markup-compatibility/2006" xmlns:p159="http://schemas.microsoft.com/office/powerpoint/2015/09/main">
+    <mc:Choice Requires="p159">
       <p:transition spd="med">
         <p159:morph option="byObject"/>
       </p:transition>
     </mc:Choice>
-    <mc:Fallback>
+    <mc:Fallback xmlns="">
       <p:transition spd="med">
         <p:fade/>
       </p:transition>
@@ -20944,13 +21367,13 @@
   <p:clrMapOvr>
     <a:masterClrMapping/>
   </p:clrMapOvr>
-  <mc:AlternateContent xmlns:mc="http://schemas.openxmlformats.org/markup-compatibility/2006">
-    <mc:Choice xmlns:p159="http://schemas.microsoft.com/office/powerpoint/2015/09/main" Requires="p159">
+  <mc:AlternateContent xmlns:mc="http://schemas.openxmlformats.org/markup-compatibility/2006" xmlns:p159="http://schemas.microsoft.com/office/powerpoint/2015/09/main">
+    <mc:Choice Requires="p159">
       <p:transition spd="med">
         <p159:morph option="byObject"/>
       </p:transition>
     </mc:Choice>
-    <mc:Fallback>
+    <mc:Fallback xmlns="">
       <p:transition spd="med">
         <p:fade/>
       </p:transition>
@@ -21281,13 +21704,13 @@
   <p:clrMapOvr>
     <a:masterClrMapping/>
   </p:clrMapOvr>
-  <mc:AlternateContent xmlns:mc="http://schemas.openxmlformats.org/markup-compatibility/2006">
-    <mc:Choice xmlns:p159="http://schemas.microsoft.com/office/powerpoint/2015/09/main" Requires="p159">
+  <mc:AlternateContent xmlns:mc="http://schemas.openxmlformats.org/markup-compatibility/2006" xmlns:p159="http://schemas.microsoft.com/office/powerpoint/2015/09/main">
+    <mc:Choice Requires="p159">
       <p:transition spd="med">
         <p159:morph option="byObject"/>
       </p:transition>
     </mc:Choice>
-    <mc:Fallback>
+    <mc:Fallback xmlns="">
       <p:transition spd="med">
         <p:fade/>
       </p:transition>

--- a/006/lesson_6.pptx
+++ b/006/lesson_6.pptx
@@ -35,7 +35,7 @@
       <p:regular r:id="rId21"/>
     </p:embeddedFont>
     <p:embeddedFont>
-      <p:font typeface="Aldrich" panose="020B0604020202020204" charset="0"/>
+      <p:font typeface="Aldrich" panose="02000000000000000000" pitchFamily="2" charset="0"/>
       <p:regular r:id="rId22"/>
     </p:embeddedFont>
     <p:embeddedFont>
@@ -9435,7 +9435,7 @@
             </a:pPr>
             <a:fld id="{00000000-1234-1234-1234-123412341234}" type="slidenum">
               <a:rPr lang="en"/>
-              <a:t>‹Nr.›</a:t>
+              <a:t>‹#›</a:t>
             </a:fld>
             <a:endParaRPr/>
           </a:p>
@@ -20897,10 +20897,10 @@
       </p:sp>
       <p:pic>
         <p:nvPicPr>
-          <p:cNvPr id="19" name="Picture 18">
+          <p:cNvPr id="3" name="Picture 2">
             <a:extLst>
               <a:ext uri="{FF2B5EF4-FFF2-40B4-BE49-F238E27FC236}">
-                <a16:creationId xmlns:a16="http://schemas.microsoft.com/office/drawing/2014/main" id="{3362069D-C9B2-B587-252C-8E37DAD8D774}"/>
+                <a16:creationId xmlns:a16="http://schemas.microsoft.com/office/drawing/2014/main" id="{8AB6158A-4E57-95CE-6E34-16A3F99AE37B}"/>
               </a:ext>
             </a:extLst>
           </p:cNvPr>
@@ -20917,8 +20917,8 @@
         </p:blipFill>
         <p:spPr>
           <a:xfrm>
-            <a:off x="476250" y="1781175"/>
-            <a:ext cx="11372850" cy="3905250"/>
+            <a:off x="1260590" y="1629987"/>
+            <a:ext cx="9670820" cy="4588017"/>
           </a:xfrm>
           <a:prstGeom prst="rect">
             <a:avLst/>

--- a/006/lesson_6.pptx
+++ b/006/lesson_6.pptx
@@ -39,25 +39,18 @@
       <p:regular r:id="rId22"/>
     </p:embeddedFont>
     <p:embeddedFont>
-      <p:font typeface="Calibri" panose="020F0502020204030204" pitchFamily="34" charset="0"/>
+      <p:font typeface="Roboto" panose="02000000000000000000" pitchFamily="2" charset="0"/>
       <p:regular r:id="rId23"/>
       <p:bold r:id="rId24"/>
       <p:italic r:id="rId25"/>
       <p:boldItalic r:id="rId26"/>
     </p:embeddedFont>
     <p:embeddedFont>
-      <p:font typeface="Roboto" panose="02000000000000000000" pitchFamily="2" charset="0"/>
+      <p:font typeface="Roboto Mono" panose="00000009000000000000" pitchFamily="49" charset="0"/>
       <p:regular r:id="rId27"/>
       <p:bold r:id="rId28"/>
       <p:italic r:id="rId29"/>
       <p:boldItalic r:id="rId30"/>
-    </p:embeddedFont>
-    <p:embeddedFont>
-      <p:font typeface="Roboto Mono" panose="00000009000000000000" pitchFamily="49" charset="0"/>
-      <p:regular r:id="rId31"/>
-      <p:bold r:id="rId32"/>
-      <p:italic r:id="rId33"/>
-      <p:boldItalic r:id="rId34"/>
     </p:embeddedFont>
   </p:embeddedFontLst>
   <p:defaultTextStyle>
@@ -17250,7 +17243,7 @@
             </a:pPr>
             <a:r>
               <a:rPr lang="en-US" dirty="0"/>
-              <a:t>CHALLANGE </a:t>
+              <a:t>CHALLENGE </a:t>
             </a:r>
             <a:r>
               <a:rPr lang="en" sz="6000" dirty="0">
@@ -18235,7 +18228,7 @@
             </a:pPr>
             <a:r>
               <a:rPr lang="en-US" dirty="0"/>
-              <a:t>CHALLANGE </a:t>
+              <a:t>CHALLENGE </a:t>
             </a:r>
             <a:r>
               <a:rPr lang="en" sz="6000" dirty="0">
@@ -18519,7 +18512,7 @@
             </a:pPr>
             <a:r>
               <a:rPr lang="en-US" dirty="0"/>
-              <a:t>CHALLANGE </a:t>
+              <a:t>CHALLENGE </a:t>
             </a:r>
             <a:r>
               <a:rPr lang="en" sz="6000" dirty="0">
@@ -18831,8 +18824,8 @@
               <a:buNone/>
             </a:pPr>
             <a:r>
-              <a:rPr lang="en-US" dirty="0"/>
-              <a:t>CHALLANGE </a:t>
+              <a:rPr lang="en-US"/>
+              <a:t>CHALLENGE </a:t>
             </a:r>
             <a:r>
               <a:rPr lang="en" sz="6000" dirty="0">
@@ -21855,7 +21848,7 @@
             </a:pPr>
             <a:r>
               <a:rPr lang="en-US" dirty="0"/>
-              <a:t>CHALLANGE </a:t>
+              <a:t>CHALLENGE </a:t>
             </a:r>
             <a:r>
               <a:rPr lang="en" sz="6000" dirty="0">
@@ -22062,7 +22055,7 @@
             </a:pPr>
             <a:r>
               <a:rPr lang="en-US" dirty="0"/>
-              <a:t>CHALLANGE </a:t>
+              <a:t>CHALLENGE </a:t>
             </a:r>
             <a:r>
               <a:rPr lang="en" sz="6000" dirty="0">
